--- a/src/pages/events/2024-09-13/slides/99_QandA_ja.pptx
+++ b/src/pages/events/2024-09-13/slides/99_QandA_ja.pptx
@@ -1038,7 +1038,7 @@
   <pc:docChgLst>
     <pc:chgData name="佐藤　寛也" userId="27837c8b-abaf-4096-b544-58e4cbe7054e" providerId="ADAL" clId="{802BD7D3-5B8E-47BD-BEC4-A2A194BD9C22}"/>
     <pc:docChg chg="undo redo custSel addSld modSld">
-      <pc:chgData name="佐藤　寛也" userId="27837c8b-abaf-4096-b544-58e4cbe7054e" providerId="ADAL" clId="{802BD7D3-5B8E-47BD-BEC4-A2A194BD9C22}" dt="2024-09-14T01:47:24.453" v="1323"/>
+      <pc:chgData name="佐藤　寛也" userId="27837c8b-abaf-4096-b544-58e4cbe7054e" providerId="ADAL" clId="{802BD7D3-5B8E-47BD-BEC4-A2A194BD9C22}" dt="2024-09-14T03:59:57.351" v="1468" actId="20577"/>
       <pc:docMkLst>
         <pc:docMk/>
       </pc:docMkLst>
@@ -1058,7 +1058,7 @@
         </pc:spChg>
       </pc:sldChg>
       <pc:sldChg chg="delSp modSp mod">
-        <pc:chgData name="佐藤　寛也" userId="27837c8b-abaf-4096-b544-58e4cbe7054e" providerId="ADAL" clId="{802BD7D3-5B8E-47BD-BEC4-A2A194BD9C22}" dt="2024-09-14T00:54:11.882" v="139" actId="20577"/>
+        <pc:chgData name="佐藤　寛也" userId="27837c8b-abaf-4096-b544-58e4cbe7054e" providerId="ADAL" clId="{802BD7D3-5B8E-47BD-BEC4-A2A194BD9C22}" dt="2024-09-14T03:59:57.351" v="1468" actId="20577"/>
         <pc:sldMkLst>
           <pc:docMk/>
           <pc:sldMk cId="412750678" sldId="1415"/>
@@ -1088,7 +1088,7 @@
           </ac:spMkLst>
         </pc:spChg>
         <pc:spChg chg="mod">
-          <ac:chgData name="佐藤　寛也" userId="27837c8b-abaf-4096-b544-58e4cbe7054e" providerId="ADAL" clId="{802BD7D3-5B8E-47BD-BEC4-A2A194BD9C22}" dt="2024-09-14T00:54:11.882" v="139" actId="20577"/>
+          <ac:chgData name="佐藤　寛也" userId="27837c8b-abaf-4096-b544-58e4cbe7054e" providerId="ADAL" clId="{802BD7D3-5B8E-47BD-BEC4-A2A194BD9C22}" dt="2024-09-14T03:59:57.351" v="1468" actId="20577"/>
           <ac:spMkLst>
             <pc:docMk/>
             <pc:sldMk cId="412750678" sldId="1415"/>
@@ -1151,13 +1151,13 @@
         </pc:spChg>
       </pc:sldChg>
       <pc:sldChg chg="modSp add mod">
-        <pc:chgData name="佐藤　寛也" userId="27837c8b-abaf-4096-b544-58e4cbe7054e" providerId="ADAL" clId="{802BD7D3-5B8E-47BD-BEC4-A2A194BD9C22}" dt="2024-09-14T01:47:24.453" v="1323"/>
+        <pc:chgData name="佐藤　寛也" userId="27837c8b-abaf-4096-b544-58e4cbe7054e" providerId="ADAL" clId="{802BD7D3-5B8E-47BD-BEC4-A2A194BD9C22}" dt="2024-09-14T03:59:40.735" v="1466" actId="20577"/>
         <pc:sldMkLst>
           <pc:docMk/>
           <pc:sldMk cId="4156450139" sldId="1418"/>
         </pc:sldMkLst>
         <pc:spChg chg="mod">
-          <ac:chgData name="佐藤　寛也" userId="27837c8b-abaf-4096-b544-58e4cbe7054e" providerId="ADAL" clId="{802BD7D3-5B8E-47BD-BEC4-A2A194BD9C22}" dt="2024-09-14T01:47:24.453" v="1323"/>
+          <ac:chgData name="佐藤　寛也" userId="27837c8b-abaf-4096-b544-58e4cbe7054e" providerId="ADAL" clId="{802BD7D3-5B8E-47BD-BEC4-A2A194BD9C22}" dt="2024-09-14T03:59:40.735" v="1466" actId="20577"/>
           <ac:spMkLst>
             <pc:docMk/>
             <pc:sldMk cId="4156450139" sldId="1418"/>
@@ -1166,13 +1166,13 @@
         </pc:spChg>
       </pc:sldChg>
       <pc:sldChg chg="modSp add mod">
-        <pc:chgData name="佐藤　寛也" userId="27837c8b-abaf-4096-b544-58e4cbe7054e" providerId="ADAL" clId="{802BD7D3-5B8E-47BD-BEC4-A2A194BD9C22}" dt="2024-09-14T01:47:24.453" v="1323"/>
+        <pc:chgData name="佐藤　寛也" userId="27837c8b-abaf-4096-b544-58e4cbe7054e" providerId="ADAL" clId="{802BD7D3-5B8E-47BD-BEC4-A2A194BD9C22}" dt="2024-09-14T03:59:09.861" v="1430" actId="20577"/>
         <pc:sldMkLst>
           <pc:docMk/>
           <pc:sldMk cId="3793226055" sldId="1419"/>
         </pc:sldMkLst>
         <pc:spChg chg="mod">
-          <ac:chgData name="佐藤　寛也" userId="27837c8b-abaf-4096-b544-58e4cbe7054e" providerId="ADAL" clId="{802BD7D3-5B8E-47BD-BEC4-A2A194BD9C22}" dt="2024-09-14T01:47:24.453" v="1323"/>
+          <ac:chgData name="佐藤　寛也" userId="27837c8b-abaf-4096-b544-58e4cbe7054e" providerId="ADAL" clId="{802BD7D3-5B8E-47BD-BEC4-A2A194BD9C22}" dt="2024-09-14T03:59:09.861" v="1430" actId="20577"/>
           <ac:spMkLst>
             <pc:docMk/>
             <pc:sldMk cId="3793226055" sldId="1419"/>
@@ -1181,13 +1181,13 @@
         </pc:spChg>
       </pc:sldChg>
       <pc:sldChg chg="modSp add mod">
-        <pc:chgData name="佐藤　寛也" userId="27837c8b-abaf-4096-b544-58e4cbe7054e" providerId="ADAL" clId="{802BD7D3-5B8E-47BD-BEC4-A2A194BD9C22}" dt="2024-09-14T01:47:24.453" v="1323"/>
+        <pc:chgData name="佐藤　寛也" userId="27837c8b-abaf-4096-b544-58e4cbe7054e" providerId="ADAL" clId="{802BD7D3-5B8E-47BD-BEC4-A2A194BD9C22}" dt="2024-09-14T03:58:47.643" v="1384" actId="20577"/>
         <pc:sldMkLst>
           <pc:docMk/>
           <pc:sldMk cId="2183055692" sldId="1420"/>
         </pc:sldMkLst>
         <pc:spChg chg="mod">
-          <ac:chgData name="佐藤　寛也" userId="27837c8b-abaf-4096-b544-58e4cbe7054e" providerId="ADAL" clId="{802BD7D3-5B8E-47BD-BEC4-A2A194BD9C22}" dt="2024-09-14T01:47:24.453" v="1323"/>
+          <ac:chgData name="佐藤　寛也" userId="27837c8b-abaf-4096-b544-58e4cbe7054e" providerId="ADAL" clId="{802BD7D3-5B8E-47BD-BEC4-A2A194BD9C22}" dt="2024-09-14T03:58:47.643" v="1384" actId="20577"/>
           <ac:spMkLst>
             <pc:docMk/>
             <pc:sldMk cId="2183055692" sldId="1420"/>
@@ -1196,13 +1196,13 @@
         </pc:spChg>
       </pc:sldChg>
       <pc:sldChg chg="modSp add mod">
-        <pc:chgData name="佐藤　寛也" userId="27837c8b-abaf-4096-b544-58e4cbe7054e" providerId="ADAL" clId="{802BD7D3-5B8E-47BD-BEC4-A2A194BD9C22}" dt="2024-09-14T01:47:24.453" v="1323"/>
+        <pc:chgData name="佐藤　寛也" userId="27837c8b-abaf-4096-b544-58e4cbe7054e" providerId="ADAL" clId="{802BD7D3-5B8E-47BD-BEC4-A2A194BD9C22}" dt="2024-09-14T03:58:06.131" v="1360" actId="20577"/>
         <pc:sldMkLst>
           <pc:docMk/>
           <pc:sldMk cId="120042679" sldId="1421"/>
         </pc:sldMkLst>
         <pc:spChg chg="mod">
-          <ac:chgData name="佐藤　寛也" userId="27837c8b-abaf-4096-b544-58e4cbe7054e" providerId="ADAL" clId="{802BD7D3-5B8E-47BD-BEC4-A2A194BD9C22}" dt="2024-09-14T01:47:24.453" v="1323"/>
+          <ac:chgData name="佐藤　寛也" userId="27837c8b-abaf-4096-b544-58e4cbe7054e" providerId="ADAL" clId="{802BD7D3-5B8E-47BD-BEC4-A2A194BD9C22}" dt="2024-09-14T03:58:06.131" v="1360" actId="20577"/>
           <ac:spMkLst>
             <pc:docMk/>
             <pc:sldMk cId="120042679" sldId="1421"/>
@@ -1211,13 +1211,13 @@
         </pc:spChg>
       </pc:sldChg>
       <pc:sldChg chg="modSp add mod">
-        <pc:chgData name="佐藤　寛也" userId="27837c8b-abaf-4096-b544-58e4cbe7054e" providerId="ADAL" clId="{802BD7D3-5B8E-47BD-BEC4-A2A194BD9C22}" dt="2024-09-14T01:47:24.453" v="1323"/>
+        <pc:chgData name="佐藤　寛也" userId="27837c8b-abaf-4096-b544-58e4cbe7054e" providerId="ADAL" clId="{802BD7D3-5B8E-47BD-BEC4-A2A194BD9C22}" dt="2024-09-14T03:57:59.582" v="1359" actId="20577"/>
         <pc:sldMkLst>
           <pc:docMk/>
           <pc:sldMk cId="2262787683" sldId="1422"/>
         </pc:sldMkLst>
         <pc:spChg chg="mod">
-          <ac:chgData name="佐藤　寛也" userId="27837c8b-abaf-4096-b544-58e4cbe7054e" providerId="ADAL" clId="{802BD7D3-5B8E-47BD-BEC4-A2A194BD9C22}" dt="2024-09-14T01:47:24.453" v="1323"/>
+          <ac:chgData name="佐藤　寛也" userId="27837c8b-abaf-4096-b544-58e4cbe7054e" providerId="ADAL" clId="{802BD7D3-5B8E-47BD-BEC4-A2A194BD9C22}" dt="2024-09-14T03:57:59.582" v="1359" actId="20577"/>
           <ac:spMkLst>
             <pc:docMk/>
             <pc:sldMk cId="2262787683" sldId="1422"/>
@@ -1226,13 +1226,13 @@
         </pc:spChg>
       </pc:sldChg>
       <pc:sldChg chg="modSp add mod">
-        <pc:chgData name="佐藤　寛也" userId="27837c8b-abaf-4096-b544-58e4cbe7054e" providerId="ADAL" clId="{802BD7D3-5B8E-47BD-BEC4-A2A194BD9C22}" dt="2024-09-14T01:47:24.453" v="1323"/>
+        <pc:chgData name="佐藤　寛也" userId="27837c8b-abaf-4096-b544-58e4cbe7054e" providerId="ADAL" clId="{802BD7D3-5B8E-47BD-BEC4-A2A194BD9C22}" dt="2024-09-14T03:57:26.544" v="1333" actId="20577"/>
         <pc:sldMkLst>
           <pc:docMk/>
           <pc:sldMk cId="3985247531" sldId="1423"/>
         </pc:sldMkLst>
         <pc:spChg chg="mod">
-          <ac:chgData name="佐藤　寛也" userId="27837c8b-abaf-4096-b544-58e4cbe7054e" providerId="ADAL" clId="{802BD7D3-5B8E-47BD-BEC4-A2A194BD9C22}" dt="2024-09-14T01:47:24.453" v="1323"/>
+          <ac:chgData name="佐藤　寛也" userId="27837c8b-abaf-4096-b544-58e4cbe7054e" providerId="ADAL" clId="{802BD7D3-5B8E-47BD-BEC4-A2A194BD9C22}" dt="2024-09-14T03:57:26.544" v="1333" actId="20577"/>
           <ac:spMkLst>
             <pc:docMk/>
             <pc:sldMk cId="3985247531" sldId="1423"/>
@@ -4130,13 +4130,22 @@
           <a:p>
             <a:pPr algn="r"/>
             <a:r>
+              <a:rPr kumimoji="1" lang="en-US" altLang="ja-JP" sz="1400">
+                <a:solidFill>
+                  <a:schemeClr val="bg1"/>
+                </a:solidFill>
+                <a:latin typeface="Consolas" panose="020B0609020204030204" pitchFamily="49" charset="0"/>
+              </a:rPr>
+              <a:t>Ver 3.01 </a:t>
+            </a:r>
+            <a:r>
               <a:rPr kumimoji="1" lang="en-US" altLang="ja-JP" sz="1400" dirty="0">
                 <a:solidFill>
                   <a:schemeClr val="bg1"/>
                 </a:solidFill>
                 <a:latin typeface="Consolas" panose="020B0609020204030204" pitchFamily="49" charset="0"/>
               </a:rPr>
-              <a:t>Ver 3.00 Last updated on 2024/09/14</a:t>
+              <a:t>Last updated on 2024/09/14</a:t>
             </a:r>
             <a:endParaRPr kumimoji="1" lang="ja-JP" altLang="en-US" sz="1400" dirty="0">
               <a:solidFill>
@@ -5117,39 +5126,7 @@
                   <a:schemeClr val="accent6"/>
                 </a:solidFill>
               </a:rPr>
-              <a:t>アプリまたは電話番号を使って毎回ログインするだけです．端末を変更した場合は，再度</a:t>
-            </a:r>
-            <a:r>
-              <a:rPr kumimoji="1" lang="en-US" altLang="ja-JP" dirty="0">
-                <a:solidFill>
-                  <a:schemeClr val="accent6"/>
-                </a:solidFill>
-              </a:rPr>
-              <a:t>MFA</a:t>
-            </a:r>
-            <a:r>
-              <a:rPr kumimoji="1" lang="ja-JP" altLang="en-US" dirty="0">
-                <a:solidFill>
-                  <a:schemeClr val="accent6"/>
-                </a:solidFill>
-              </a:rPr>
-              <a:t>の設定が必要になる場合があります． </a:t>
-            </a:r>
-            <a:r>
-              <a:rPr kumimoji="1" lang="en-US" altLang="ja-JP" dirty="0">
-                <a:solidFill>
-                  <a:schemeClr val="accent6"/>
-                </a:solidFill>
-              </a:rPr>
-              <a:t>MFA </a:t>
-            </a:r>
-            <a:r>
-              <a:rPr kumimoji="1" lang="ja-JP" altLang="en-US" dirty="0">
-                <a:solidFill>
-                  <a:schemeClr val="accent6"/>
-                </a:solidFill>
-              </a:rPr>
-              <a:t>の設定については </a:t>
+              <a:t>アプリまたは電話番号を使って毎回ログインするだけです．端末を変更した場合は，再度多要素認証の設定が必要になる場合があります．設定については </a:t>
             </a:r>
             <a:r>
               <a:rPr kumimoji="1" lang="en-US" altLang="ja-JP" dirty="0" err="1">
@@ -5240,7 +5217,23 @@
                   <a:schemeClr val="accent6"/>
                 </a:solidFill>
               </a:rPr>
-              <a:t>アカウントは機能が検定的で，使い勝手は劣ります．例えば，東京大学の</a:t>
+              <a:t>アカウントは機能が</a:t>
+            </a:r>
+            <a:r>
+              <a:rPr lang="ja-JP" altLang="en-US" dirty="0">
+                <a:solidFill>
+                  <a:schemeClr val="accent6"/>
+                </a:solidFill>
+              </a:rPr>
+              <a:t>限定</a:t>
+            </a:r>
+            <a:r>
+              <a:rPr kumimoji="1" lang="ja-JP" altLang="en-US" dirty="0">
+                <a:solidFill>
+                  <a:schemeClr val="accent6"/>
+                </a:solidFill>
+              </a:rPr>
+              <a:t>的で，使い勝手は劣ります．例えば，東京大学の</a:t>
             </a:r>
             <a:r>
               <a:rPr kumimoji="1" lang="en-US" altLang="ja-JP" dirty="0">
@@ -5527,7 +5520,7 @@
                   <a:schemeClr val="accent6"/>
                 </a:solidFill>
               </a:rPr>
-              <a:t>個人の</a:t>
+              <a:t>個人の </a:t>
             </a:r>
             <a:r>
               <a:rPr kumimoji="1" lang="en-US" altLang="ja-JP" dirty="0">
@@ -5535,7 +5528,7 @@
                   <a:schemeClr val="accent6"/>
                 </a:solidFill>
               </a:rPr>
-              <a:t>Google</a:t>
+              <a:t>Google </a:t>
             </a:r>
             <a:r>
               <a:rPr kumimoji="1" lang="ja-JP" altLang="en-US" dirty="0">
@@ -5563,16 +5556,24 @@
               </a:lnSpc>
             </a:pPr>
             <a:r>
-              <a:rPr kumimoji="1" lang="en-US" altLang="ja-JP" dirty="0" err="1"/>
-              <a:t>UTokyo</a:t>
+              <a:rPr kumimoji="1" lang="ja-JP" altLang="en-US" dirty="0"/>
+              <a:t>東京大学の </a:t>
             </a:r>
             <a:r>
               <a:rPr kumimoji="1" lang="en-US" altLang="ja-JP" dirty="0"/>
-              <a:t> Gmail </a:t>
+              <a:t>Gmail </a:t>
             </a:r>
             <a:r>
               <a:rPr kumimoji="1" lang="ja-JP" altLang="en-US" dirty="0"/>
-              <a:t>アカウントの管理に </a:t>
+              <a:t>アカウント（</a:t>
+            </a:r>
+            <a:r>
+              <a:rPr kumimoji="1" lang="en-US" altLang="ja-JP" dirty="0"/>
+              <a:t>ECCS </a:t>
+            </a:r>
+            <a:r>
+              <a:rPr kumimoji="1" lang="ja-JP" altLang="en-US" dirty="0"/>
+              <a:t>クラウドメール）の管理に </a:t>
             </a:r>
             <a:r>
               <a:rPr kumimoji="1" lang="en-US" altLang="ja-JP" dirty="0"/>
@@ -5788,15 +5789,15 @@
             </a:pPr>
             <a:r>
               <a:rPr kumimoji="1" lang="en-US" altLang="ja-JP" dirty="0"/>
-              <a:t>UTOL</a:t>
+              <a:t>UTOL </a:t>
             </a:r>
             <a:r>
               <a:rPr kumimoji="1" lang="ja-JP" altLang="en-US" dirty="0"/>
-              <a:t>は</a:t>
+              <a:t>は </a:t>
             </a:r>
             <a:r>
               <a:rPr kumimoji="1" lang="en-US" altLang="ja-JP" dirty="0"/>
-              <a:t>UTAS</a:t>
+              <a:t>UTAS </a:t>
             </a:r>
             <a:r>
               <a:rPr kumimoji="1" lang="ja-JP" altLang="en-US" dirty="0"/>
@@ -5816,7 +5817,7 @@
                   <a:schemeClr val="accent6"/>
                 </a:solidFill>
               </a:rPr>
-              <a:t>UTAS</a:t>
+              <a:t>UTAS </a:t>
             </a:r>
             <a:r>
               <a:rPr kumimoji="1" lang="ja-JP" altLang="en-US" dirty="0">
@@ -5832,7 +5833,7 @@
                   <a:schemeClr val="accent6"/>
                 </a:solidFill>
               </a:rPr>
-              <a:t>UTOL</a:t>
+              <a:t>UTOL </a:t>
             </a:r>
             <a:r>
               <a:rPr kumimoji="1" lang="ja-JP" altLang="en-US" dirty="0">
@@ -5848,7 +5849,7 @@
                   <a:schemeClr val="accent6"/>
                 </a:solidFill>
               </a:rPr>
-              <a:t>UTAS</a:t>
+              <a:t>UTAS </a:t>
             </a:r>
             <a:r>
               <a:rPr kumimoji="1" lang="ja-JP" altLang="en-US" dirty="0">
@@ -5876,7 +5877,7 @@
                   <a:schemeClr val="accent6"/>
                 </a:solidFill>
               </a:rPr>
-              <a:t>授業をおこなう場合は</a:t>
+              <a:t>授業をおこなう場合は </a:t>
             </a:r>
             <a:r>
               <a:rPr kumimoji="1" lang="en-US" altLang="ja-JP" dirty="0">
@@ -5884,7 +5885,7 @@
                   <a:schemeClr val="accent6"/>
                 </a:solidFill>
               </a:rPr>
-              <a:t>UTAS</a:t>
+              <a:t>UTAS </a:t>
             </a:r>
             <a:r>
               <a:rPr kumimoji="1" lang="ja-JP" altLang="en-US" dirty="0">
@@ -5900,7 +5901,7 @@
                   <a:schemeClr val="accent6"/>
                 </a:solidFill>
               </a:rPr>
-              <a:t>UTOL</a:t>
+              <a:t>UTOL </a:t>
             </a:r>
             <a:r>
               <a:rPr kumimoji="1" lang="ja-JP" altLang="en-US" dirty="0">
@@ -5908,7 +5909,7 @@
                   <a:schemeClr val="accent6"/>
                 </a:solidFill>
               </a:rPr>
-              <a:t>の利用は必須ではなく，他の</a:t>
+              <a:t>の利用は必須ではなく，他の </a:t>
             </a:r>
             <a:r>
               <a:rPr kumimoji="1" lang="en-US" altLang="ja-JP" dirty="0">
@@ -5916,7 +5917,7 @@
                   <a:schemeClr val="accent6"/>
                 </a:solidFill>
               </a:rPr>
-              <a:t>LMS</a:t>
+              <a:t>LMS </a:t>
             </a:r>
             <a:r>
               <a:rPr kumimoji="1" lang="ja-JP" altLang="en-US" dirty="0">
@@ -5932,7 +5933,7 @@
                   <a:schemeClr val="accent6"/>
                 </a:solidFill>
               </a:rPr>
-              <a:t>LMS</a:t>
+              <a:t>LMS </a:t>
             </a:r>
             <a:r>
               <a:rPr kumimoji="1" lang="ja-JP" altLang="en-US" dirty="0">
@@ -5940,7 +5941,7 @@
                   <a:schemeClr val="accent6"/>
                 </a:solidFill>
               </a:rPr>
-              <a:t>としては</a:t>
+              <a:t>としては </a:t>
             </a:r>
             <a:r>
               <a:rPr kumimoji="1" lang="en-US" altLang="ja-JP" dirty="0">
@@ -5948,7 +5949,7 @@
                   <a:schemeClr val="accent6"/>
                 </a:solidFill>
               </a:rPr>
-              <a:t>UTOL</a:t>
+              <a:t>UTOL </a:t>
             </a:r>
             <a:r>
               <a:rPr kumimoji="1" lang="ja-JP" altLang="en-US" dirty="0">
@@ -5956,7 +5957,7 @@
                   <a:schemeClr val="accent6"/>
                 </a:solidFill>
               </a:rPr>
-              <a:t>の利用を推奨します．</a:t>
+              <a:t>の利用を推奨しています．</a:t>
             </a:r>
             <a:endParaRPr kumimoji="1" lang="en-US" altLang="ja-JP" dirty="0">
               <a:solidFill>
@@ -5976,7 +5977,7 @@
                   <a:schemeClr val="accent6"/>
                 </a:solidFill>
               </a:rPr>
-              <a:t>UTAS</a:t>
+              <a:t>UTAS </a:t>
             </a:r>
             <a:r>
               <a:rPr kumimoji="1" lang="ja-JP" altLang="en-US" dirty="0">
@@ -5992,7 +5993,7 @@
                   <a:schemeClr val="accent6"/>
                 </a:solidFill>
               </a:rPr>
-              <a:t>UTOL</a:t>
+              <a:t>UTOL </a:t>
             </a:r>
             <a:r>
               <a:rPr kumimoji="1" lang="ja-JP" altLang="en-US" dirty="0">
@@ -6008,7 +6009,7 @@
                   <a:schemeClr val="accent6"/>
                 </a:solidFill>
               </a:rPr>
-              <a:t>UTOL</a:t>
+              <a:t>UTOL </a:t>
             </a:r>
             <a:r>
               <a:rPr kumimoji="1" lang="ja-JP" altLang="en-US" dirty="0">
@@ -6036,7 +6037,7 @@
                   <a:schemeClr val="accent6"/>
                 </a:solidFill>
               </a:rPr>
-              <a:t>UTOL</a:t>
+              <a:t>UTOL </a:t>
             </a:r>
             <a:r>
               <a:rPr kumimoji="1" lang="ja-JP" altLang="en-US" dirty="0">
@@ -6052,7 +6053,7 @@
                   <a:schemeClr val="accent6"/>
                 </a:solidFill>
               </a:rPr>
-              <a:t>UTAS</a:t>
+              <a:t>UTAS </a:t>
             </a:r>
             <a:r>
               <a:rPr kumimoji="1" lang="ja-JP" altLang="en-US" dirty="0">
@@ -6068,7 +6069,7 @@
                   <a:schemeClr val="accent6"/>
                 </a:solidFill>
               </a:rPr>
-              <a:t>UTAS</a:t>
+              <a:t>UTAS </a:t>
             </a:r>
             <a:r>
               <a:rPr kumimoji="1" lang="ja-JP" altLang="en-US" dirty="0">
@@ -6254,7 +6255,7 @@
             </a:pPr>
             <a:r>
               <a:rPr kumimoji="1" lang="en-US" altLang="ja-JP" dirty="0"/>
-              <a:t>UTAS</a:t>
+              <a:t>UTAS </a:t>
             </a:r>
             <a:r>
               <a:rPr kumimoji="1" lang="ja-JP" altLang="en-US" dirty="0"/>
@@ -6522,27 +6523,19 @@
             </a:pPr>
             <a:r>
               <a:rPr kumimoji="1" lang="en-US" altLang="ja-JP" dirty="0"/>
-              <a:t>Google Classroom</a:t>
+              <a:t>Google Classroom </a:t>
             </a:r>
             <a:r>
               <a:rPr kumimoji="1" lang="ja-JP" altLang="en-US" dirty="0"/>
-              <a:t>が</a:t>
+              <a:t>が </a:t>
             </a:r>
             <a:r>
               <a:rPr kumimoji="1" lang="en-US" altLang="ja-JP" dirty="0"/>
-              <a:t>UTOL</a:t>
+              <a:t>UTOL </a:t>
             </a:r>
             <a:r>
               <a:rPr kumimoji="1" lang="ja-JP" altLang="en-US" dirty="0"/>
-              <a:t>と基本的に同じ機能を提供するのであれば，すべてを</a:t>
-            </a:r>
-            <a:r>
-              <a:rPr kumimoji="1" lang="en-US" altLang="ja-JP" dirty="0"/>
-              <a:t>1</a:t>
-            </a:r>
-            <a:r>
-              <a:rPr kumimoji="1" lang="ja-JP" altLang="en-US" dirty="0"/>
-              <a:t>つのプラットフォームに移行する計画はありますか？</a:t>
+              <a:t>と基本的に同じ機能を提供するのであれば，すべてをひとつのプラットフォームに移行する計画はありますか？</a:t>
             </a:r>
             <a:endParaRPr kumimoji="1" lang="en-US" altLang="ja-JP" dirty="0"/>
           </a:p>
@@ -6558,7 +6551,7 @@
                   <a:schemeClr val="accent6"/>
                 </a:solidFill>
               </a:rPr>
-              <a:t>UTAS</a:t>
+              <a:t>UTAS </a:t>
             </a:r>
             <a:r>
               <a:rPr kumimoji="1" lang="ja-JP" altLang="en-US" dirty="0">
@@ -6574,7 +6567,7 @@
                   <a:schemeClr val="accent6"/>
                 </a:solidFill>
               </a:rPr>
-              <a:t>UTOL</a:t>
+              <a:t>UTOL </a:t>
             </a:r>
             <a:r>
               <a:rPr kumimoji="1" lang="ja-JP" altLang="en-US" dirty="0">
@@ -6582,7 +6575,7 @@
                   <a:schemeClr val="accent6"/>
                 </a:solidFill>
               </a:rPr>
-              <a:t>の方が</a:t>
+              <a:t>の方が </a:t>
             </a:r>
             <a:r>
               <a:rPr kumimoji="1" lang="en-US" altLang="ja-JP" dirty="0">
@@ -6590,7 +6583,7 @@
                   <a:schemeClr val="accent6"/>
                 </a:solidFill>
               </a:rPr>
-              <a:t>Google Classroom</a:t>
+              <a:t>Google Classroom </a:t>
             </a:r>
             <a:r>
               <a:rPr kumimoji="1" lang="ja-JP" altLang="en-US" dirty="0">
@@ -6606,7 +6599,7 @@
                   <a:schemeClr val="accent6"/>
                 </a:solidFill>
               </a:rPr>
-              <a:t>Google Classroom</a:t>
+              <a:t>Google Classroom </a:t>
             </a:r>
             <a:r>
               <a:rPr kumimoji="1" lang="ja-JP" altLang="en-US" dirty="0">
@@ -6642,7 +6635,7 @@
                   <a:schemeClr val="accent6"/>
                 </a:solidFill>
               </a:rPr>
-              <a:t>UTOL</a:t>
+              <a:t>UTOL </a:t>
             </a:r>
             <a:r>
               <a:rPr kumimoji="1" lang="ja-JP" altLang="en-US" dirty="0">
@@ -6650,7 +6643,7 @@
                   <a:schemeClr val="accent6"/>
                 </a:solidFill>
               </a:rPr>
-              <a:t>の仕様をお勧めします．学生にとって，すべてのコースが同じプラットフォームで提供されることはメリットになります．また，</a:t>
+              <a:t>の使用をお勧めしています．学生にとって，すべてのコースが同じプラットフォームで提供されることはメリットになります．また，</a:t>
             </a:r>
             <a:r>
               <a:rPr kumimoji="1" lang="en-US" altLang="ja-JP" dirty="0">
@@ -6658,7 +6651,7 @@
                   <a:schemeClr val="accent6"/>
                 </a:solidFill>
               </a:rPr>
-              <a:t>UTOL</a:t>
+              <a:t>UTOL </a:t>
             </a:r>
             <a:r>
               <a:rPr kumimoji="1" lang="ja-JP" altLang="en-US" dirty="0">
@@ -6844,7 +6837,7 @@
             </a:pPr>
             <a:r>
               <a:rPr kumimoji="1" lang="en-US" altLang="ja-JP" dirty="0"/>
-              <a:t>UTOL</a:t>
+              <a:t>UTOL </a:t>
             </a:r>
             <a:r>
               <a:rPr kumimoji="1" lang="ja-JP" altLang="en-US" dirty="0"/>
@@ -6880,7 +6873,7 @@
                   <a:schemeClr val="accent6"/>
                 </a:solidFill>
               </a:rPr>
-              <a:t>UTOL</a:t>
+              <a:t>UTOL </a:t>
             </a:r>
             <a:r>
               <a:rPr kumimoji="1" lang="ja-JP" altLang="en-US" dirty="0">
@@ -6896,7 +6889,7 @@
                   <a:schemeClr val="accent6"/>
                 </a:solidFill>
               </a:rPr>
-              <a:t>TA</a:t>
+              <a:t>TA </a:t>
             </a:r>
             <a:r>
               <a:rPr kumimoji="1" lang="ja-JP" altLang="en-US" dirty="0">
@@ -6924,7 +6917,7 @@
                   <a:schemeClr val="accent6"/>
                 </a:solidFill>
               </a:rPr>
-              <a:t>UTAS</a:t>
+              <a:t>UTAS </a:t>
             </a:r>
             <a:r>
               <a:rPr kumimoji="1" lang="ja-JP" altLang="en-US" dirty="0">
@@ -6932,7 +6925,7 @@
                   <a:schemeClr val="accent6"/>
                 </a:solidFill>
               </a:rPr>
-              <a:t>では</a:t>
+              <a:t>では </a:t>
             </a:r>
             <a:r>
               <a:rPr kumimoji="1" lang="en-US" altLang="ja-JP" dirty="0">
@@ -6940,7 +6933,7 @@
                   <a:schemeClr val="accent6"/>
                 </a:solidFill>
               </a:rPr>
-              <a:t>TA</a:t>
+              <a:t>TA </a:t>
             </a:r>
             <a:r>
               <a:rPr kumimoji="1" lang="ja-JP" altLang="en-US" dirty="0">
@@ -6956,7 +6949,7 @@
                   <a:schemeClr val="accent6"/>
                 </a:solidFill>
               </a:rPr>
-              <a:t>UTOL</a:t>
+              <a:t>UTOL </a:t>
             </a:r>
             <a:r>
               <a:rPr kumimoji="1" lang="ja-JP" altLang="en-US" dirty="0">
@@ -6980,7 +6973,7 @@
             </a:pPr>
             <a:r>
               <a:rPr kumimoji="1" lang="en-US" altLang="ja-JP" dirty="0"/>
-              <a:t>TA</a:t>
+              <a:t>TA </a:t>
             </a:r>
             <a:r>
               <a:rPr kumimoji="1" lang="ja-JP" altLang="en-US" dirty="0"/>
@@ -7000,7 +6993,7 @@
                   <a:schemeClr val="accent6"/>
                 </a:solidFill>
               </a:rPr>
-              <a:t>登録された</a:t>
+              <a:t>登録された </a:t>
             </a:r>
             <a:r>
               <a:rPr kumimoji="1" lang="en-US" altLang="ja-JP" dirty="0">
@@ -7008,7 +7001,7 @@
                   <a:schemeClr val="accent6"/>
                 </a:solidFill>
               </a:rPr>
-              <a:t>TA</a:t>
+              <a:t>TA </a:t>
             </a:r>
             <a:r>
               <a:rPr kumimoji="1" lang="ja-JP" altLang="en-US" dirty="0">
@@ -8116,17 +8109,6 @@
 </file>
 
 <file path=customXml/item1.xml><?xml version="1.0" encoding="utf-8"?>
-<p:properties xmlns:p="http://schemas.microsoft.com/office/2006/metadata/properties" xmlns:xsi="http://www.w3.org/2001/XMLSchema-instance" xmlns:pc="http://schemas.microsoft.com/office/infopath/2007/PartnerControls">
-  <documentManagement>
-    <TaxCatchAll xmlns="334cf2e0-0245-4f40-82a3-a831e5e7775a" xsi:nil="true"/>
-    <lcf76f155ced4ddcb4097134ff3c332f xmlns="d89fd5b0-f297-46a7-8c43-79b7b7b34272">
-      <Terms xmlns="http://schemas.microsoft.com/office/infopath/2007/PartnerControls"/>
-    </lcf76f155ced4ddcb4097134ff3c332f>
-  </documentManagement>
-</p:properties>
-</file>
-
-<file path=customXml/item2.xml><?xml version="1.0" encoding="utf-8"?>
 <ct:contentTypeSchema xmlns:ct="http://schemas.microsoft.com/office/2006/metadata/contentType" xmlns:ma="http://schemas.microsoft.com/office/2006/metadata/properties/metaAttributes" ct:_="" ma:_="" ma:contentTypeName="ドキュメント" ma:contentTypeID="0x010100BC2807EFFEAAE646B3C72679374A27AD" ma:contentTypeVersion="16" ma:contentTypeDescription="新しいドキュメントを作成します。" ma:contentTypeScope="" ma:versionID="fc2dabbf376b68d69de6d8a4d9b1094b">
   <xsd:schema xmlns:xsd="http://www.w3.org/2001/XMLSchema" xmlns:xs="http://www.w3.org/2001/XMLSchema" xmlns:p="http://schemas.microsoft.com/office/2006/metadata/properties" xmlns:ns2="d89fd5b0-f297-46a7-8c43-79b7b7b34272" xmlns:ns3="334cf2e0-0245-4f40-82a3-a831e5e7775a" targetNamespace="http://schemas.microsoft.com/office/2006/metadata/properties" ma:root="true" ma:fieldsID="2af6a43cef02a594c9bf66487b64536d" ns2:_="" ns3:_="">
     <xsd:import namespace="d89fd5b0-f297-46a7-8c43-79b7b7b34272"/>
@@ -8369,6 +8351,17 @@
 </ct:contentTypeSchema>
 </file>
 
+<file path=customXml/item2.xml><?xml version="1.0" encoding="utf-8"?>
+<p:properties xmlns:p="http://schemas.microsoft.com/office/2006/metadata/properties" xmlns:xsi="http://www.w3.org/2001/XMLSchema-instance" xmlns:pc="http://schemas.microsoft.com/office/infopath/2007/PartnerControls">
+  <documentManagement>
+    <TaxCatchAll xmlns="334cf2e0-0245-4f40-82a3-a831e5e7775a" xsi:nil="true"/>
+    <lcf76f155ced4ddcb4097134ff3c332f xmlns="d89fd5b0-f297-46a7-8c43-79b7b7b34272">
+      <Terms xmlns="http://schemas.microsoft.com/office/infopath/2007/PartnerControls"/>
+    </lcf76f155ced4ddcb4097134ff3c332f>
+  </documentManagement>
+</p:properties>
+</file>
+
 <file path=customXml/item3.xml><?xml version="1.0" encoding="utf-8"?>
 <?mso-contentType ?>
 <FormTemplates xmlns="http://schemas.microsoft.com/sharepoint/v3/contenttype/forms">
@@ -8379,23 +8372,6 @@
 </file>
 
 <file path=customXml/itemProps1.xml><?xml version="1.0" encoding="utf-8"?>
-<ds:datastoreItem xmlns:ds="http://schemas.openxmlformats.org/officeDocument/2006/customXml" ds:itemID="{613B5A8C-C2D2-4C49-A03B-B41437F9A3AD}">
-  <ds:schemaRefs>
-    <ds:schemaRef ds:uri="http://www.w3.org/XML/1998/namespace"/>
-    <ds:schemaRef ds:uri="http://purl.org/dc/terms/"/>
-    <ds:schemaRef ds:uri="http://purl.org/dc/dcmitype/"/>
-    <ds:schemaRef ds:uri="http://schemas.microsoft.com/office/infopath/2007/PartnerControls"/>
-    <ds:schemaRef ds:uri="http://schemas.openxmlformats.org/package/2006/metadata/core-properties"/>
-    <ds:schemaRef ds:uri="http://schemas.microsoft.com/office/2006/documentManagement/types"/>
-    <ds:schemaRef ds:uri="http://purl.org/dc/elements/1.1/"/>
-    <ds:schemaRef ds:uri="334cf2e0-0245-4f40-82a3-a831e5e7775a"/>
-    <ds:schemaRef ds:uri="d89fd5b0-f297-46a7-8c43-79b7b7b34272"/>
-    <ds:schemaRef ds:uri="http://schemas.microsoft.com/office/2006/metadata/properties"/>
-  </ds:schemaRefs>
-</ds:datastoreItem>
-</file>
-
-<file path=customXml/itemProps2.xml><?xml version="1.0" encoding="utf-8"?>
 <ds:datastoreItem xmlns:ds="http://schemas.openxmlformats.org/officeDocument/2006/customXml" ds:itemID="{63634736-7964-4838-8B2B-BE65DE70288A}">
   <ds:schemaRefs>
     <ds:schemaRef ds:uri="http://schemas.microsoft.com/office/2006/metadata/contentType"/>
@@ -8414,6 +8390,23 @@
 </ds:datastoreItem>
 </file>
 
+<file path=customXml/itemProps2.xml><?xml version="1.0" encoding="utf-8"?>
+<ds:datastoreItem xmlns:ds="http://schemas.openxmlformats.org/officeDocument/2006/customXml" ds:itemID="{613B5A8C-C2D2-4C49-A03B-B41437F9A3AD}">
+  <ds:schemaRefs>
+    <ds:schemaRef ds:uri="http://schemas.microsoft.com/office/2006/metadata/properties"/>
+    <ds:schemaRef ds:uri="http://schemas.openxmlformats.org/package/2006/metadata/core-properties"/>
+    <ds:schemaRef ds:uri="http://schemas.microsoft.com/office/2006/documentManagement/types"/>
+    <ds:schemaRef ds:uri="http://purl.org/dc/elements/1.1/"/>
+    <ds:schemaRef ds:uri="http://purl.org/dc/dcmitype/"/>
+    <ds:schemaRef ds:uri="334cf2e0-0245-4f40-82a3-a831e5e7775a"/>
+    <ds:schemaRef ds:uri="http://schemas.microsoft.com/office/infopath/2007/PartnerControls"/>
+    <ds:schemaRef ds:uri="d89fd5b0-f297-46a7-8c43-79b7b7b34272"/>
+    <ds:schemaRef ds:uri="http://www.w3.org/XML/1998/namespace"/>
+    <ds:schemaRef ds:uri="http://purl.org/dc/terms/"/>
+  </ds:schemaRefs>
+</ds:datastoreItem>
+</file>
+
 <file path=customXml/itemProps3.xml><?xml version="1.0" encoding="utf-8"?>
 <ds:datastoreItem xmlns:ds="http://schemas.openxmlformats.org/officeDocument/2006/customXml" ds:itemID="{6130639F-8A0E-4631-BB2C-1307E9C18413}">
   <ds:schemaRefs>
